--- a/One day Android Master.pptx
+++ b/One day Android Master.pptx
@@ -9,6 +9,8 @@
     <p:sldId id="257" r:id="rId3"/>
     <p:sldId id="258" r:id="rId4"/>
     <p:sldId id="259" r:id="rId5"/>
+    <p:sldId id="260" r:id="rId6"/>
+    <p:sldId id="261" r:id="rId7"/>
   </p:sldIdLst>
   <p:sldSz cx="12192000" cy="6858000"/>
   <p:notesSz cx="6858000" cy="9144000"/>
@@ -3812,7 +3814,10 @@
           <a:lstStyle/>
           <a:p>
             <a:r>
-              <a:rPr lang="en-US" dirty="0"/>
+              <a:rPr lang="en-US" dirty="0">
+                <a:latin typeface="Calibri" panose="020F0502020204030204" pitchFamily="34" charset="0"/>
+                <a:cs typeface="Calibri" panose="020F0502020204030204" pitchFamily="34" charset="0"/>
+              </a:rPr>
               <a:t>Today : </a:t>
             </a:r>
           </a:p>
@@ -4194,37 +4199,20 @@
             <p:ph type="title"/>
           </p:nvPr>
         </p:nvSpPr>
-        <p:spPr/>
-        <p:txBody>
-          <a:bodyPr/>
-          <a:lstStyle/>
-          <a:p>
-            <a:endParaRPr lang="en-US" dirty="0"/>
-          </a:p>
-        </p:txBody>
-      </p:sp>
-      <p:sp>
-        <p:nvSpPr>
-          <p:cNvPr id="3" name="Content Placeholder 2">
-            <a:extLst>
-              <a:ext uri="{FF2B5EF4-FFF2-40B4-BE49-F238E27FC236}">
-                <a16:creationId xmlns:a16="http://schemas.microsoft.com/office/drawing/2014/main" id="{45E51982-9128-0A40-9860-DF4F4A26ACE6}"/>
-              </a:ext>
-            </a:extLst>
-          </p:cNvPr>
-          <p:cNvSpPr>
-            <a:spLocks noGrp="1"/>
-          </p:cNvSpPr>
-          <p:nvPr>
-            <p:ph idx="1"/>
-          </p:nvPr>
-        </p:nvSpPr>
-        <p:spPr/>
-        <p:txBody>
-          <a:bodyPr/>
-          <a:lstStyle/>
-          <a:p>
-            <a:endParaRPr lang="en-US"/>
+        <p:spPr>
+          <a:xfrm>
+            <a:off x="995855" y="2635359"/>
+            <a:ext cx="10515600" cy="1325563"/>
+          </a:xfrm>
+        </p:spPr>
+        <p:txBody>
+          <a:bodyPr/>
+          <a:lstStyle/>
+          <a:p>
+            <a:r>
+              <a:rPr lang="en-US" b="1" dirty="0"/>
+              <a:t>Firebase Setup </a:t>
+            </a:r>
           </a:p>
         </p:txBody>
       </p:sp>
@@ -4232,6 +4220,190 @@
     <p:extLst>
       <p:ext uri="{BB962C8B-B14F-4D97-AF65-F5344CB8AC3E}">
         <p14:creationId xmlns:p14="http://schemas.microsoft.com/office/powerpoint/2010/main" val="200900407"/>
+      </p:ext>
+    </p:extLst>
+  </p:cSld>
+  <p:clrMapOvr>
+    <a:masterClrMapping/>
+  </p:clrMapOvr>
+</p:sld>
+</file>
+
+<file path=ppt/slides/slide5.xml><?xml version="1.0" encoding="utf-8"?>
+<p:sld xmlns:a="http://schemas.openxmlformats.org/drawingml/2006/main" xmlns:r="http://schemas.openxmlformats.org/officeDocument/2006/relationships" xmlns:p="http://schemas.openxmlformats.org/presentationml/2006/main">
+  <p:cSld>
+    <p:spTree>
+      <p:nvGrpSpPr>
+        <p:cNvPr id="1" name=""/>
+        <p:cNvGrpSpPr/>
+        <p:nvPr/>
+      </p:nvGrpSpPr>
+      <p:grpSpPr>
+        <a:xfrm>
+          <a:off x="0" y="0"/>
+          <a:ext cx="0" cy="0"/>
+          <a:chOff x="0" y="0"/>
+          <a:chExt cx="0" cy="0"/>
+        </a:xfrm>
+      </p:grpSpPr>
+      <p:sp>
+        <p:nvSpPr>
+          <p:cNvPr id="2" name="Title 1">
+            <a:extLst>
+              <a:ext uri="{FF2B5EF4-FFF2-40B4-BE49-F238E27FC236}">
+                <a16:creationId xmlns:a16="http://schemas.microsoft.com/office/drawing/2014/main" id="{F602905E-B4A6-AD4A-8D6C-3E6A35457D94}"/>
+              </a:ext>
+            </a:extLst>
+          </p:cNvPr>
+          <p:cNvSpPr>
+            <a:spLocks noGrp="1"/>
+          </p:cNvSpPr>
+          <p:nvPr>
+            <p:ph type="title"/>
+          </p:nvPr>
+        </p:nvSpPr>
+        <p:spPr/>
+        <p:txBody>
+          <a:bodyPr/>
+          <a:lstStyle/>
+          <a:p>
+            <a:r>
+              <a:rPr lang="en-US" dirty="0">
+                <a:latin typeface="Calibri" panose="020F0502020204030204" pitchFamily="34" charset="0"/>
+                <a:cs typeface="Calibri" panose="020F0502020204030204" pitchFamily="34" charset="0"/>
+              </a:rPr>
+              <a:t>New Project</a:t>
+            </a:r>
+          </a:p>
+        </p:txBody>
+      </p:sp>
+      <p:pic>
+        <p:nvPicPr>
+          <p:cNvPr id="5" name="Picture 4">
+            <a:extLst>
+              <a:ext uri="{FF2B5EF4-FFF2-40B4-BE49-F238E27FC236}">
+                <a16:creationId xmlns:a16="http://schemas.microsoft.com/office/drawing/2014/main" id="{0B3323D4-9DED-A545-9E24-B471FD17F8E0}"/>
+              </a:ext>
+            </a:extLst>
+          </p:cNvPr>
+          <p:cNvPicPr>
+            <a:picLocks noChangeAspect="1"/>
+          </p:cNvPicPr>
+          <p:nvPr/>
+        </p:nvPicPr>
+        <p:blipFill>
+          <a:blip r:embed="rId2"/>
+          <a:stretch>
+            <a:fillRect/>
+          </a:stretch>
+        </p:blipFill>
+        <p:spPr>
+          <a:xfrm>
+            <a:off x="838200" y="1690688"/>
+            <a:ext cx="5170598" cy="4470169"/>
+          </a:xfrm>
+          <a:prstGeom prst="rect">
+            <a:avLst/>
+          </a:prstGeom>
+        </p:spPr>
+      </p:pic>
+      <p:pic>
+        <p:nvPicPr>
+          <p:cNvPr id="7" name="Picture 6">
+            <a:extLst>
+              <a:ext uri="{FF2B5EF4-FFF2-40B4-BE49-F238E27FC236}">
+                <a16:creationId xmlns:a16="http://schemas.microsoft.com/office/drawing/2014/main" id="{78C15886-3BDD-5843-97BA-F422412FD046}"/>
+              </a:ext>
+            </a:extLst>
+          </p:cNvPr>
+          <p:cNvPicPr>
+            <a:picLocks noChangeAspect="1"/>
+          </p:cNvPicPr>
+          <p:nvPr/>
+        </p:nvPicPr>
+        <p:blipFill>
+          <a:blip r:embed="rId3"/>
+          <a:stretch>
+            <a:fillRect/>
+          </a:stretch>
+        </p:blipFill>
+        <p:spPr>
+          <a:xfrm>
+            <a:off x="6363852" y="1690688"/>
+            <a:ext cx="3561073" cy="4470169"/>
+          </a:xfrm>
+          <a:prstGeom prst="rect">
+            <a:avLst/>
+          </a:prstGeom>
+        </p:spPr>
+      </p:pic>
+    </p:spTree>
+    <p:extLst>
+      <p:ext uri="{BB962C8B-B14F-4D97-AF65-F5344CB8AC3E}">
+        <p14:creationId xmlns:p14="http://schemas.microsoft.com/office/powerpoint/2010/main" val="3128522863"/>
+      </p:ext>
+    </p:extLst>
+  </p:cSld>
+  <p:clrMapOvr>
+    <a:masterClrMapping/>
+  </p:clrMapOvr>
+</p:sld>
+</file>
+
+<file path=ppt/slides/slide6.xml><?xml version="1.0" encoding="utf-8"?>
+<p:sld xmlns:a="http://schemas.openxmlformats.org/drawingml/2006/main" xmlns:r="http://schemas.openxmlformats.org/officeDocument/2006/relationships" xmlns:p="http://schemas.openxmlformats.org/presentationml/2006/main">
+  <p:cSld>
+    <p:spTree>
+      <p:nvGrpSpPr>
+        <p:cNvPr id="1" name=""/>
+        <p:cNvGrpSpPr/>
+        <p:nvPr/>
+      </p:nvGrpSpPr>
+      <p:grpSpPr>
+        <a:xfrm>
+          <a:off x="0" y="0"/>
+          <a:ext cx="0" cy="0"/>
+          <a:chOff x="0" y="0"/>
+          <a:chExt cx="0" cy="0"/>
+        </a:xfrm>
+      </p:grpSpPr>
+      <p:sp>
+        <p:nvSpPr>
+          <p:cNvPr id="2" name="Title 1">
+            <a:extLst>
+              <a:ext uri="{FF2B5EF4-FFF2-40B4-BE49-F238E27FC236}">
+                <a16:creationId xmlns:a16="http://schemas.microsoft.com/office/drawing/2014/main" id="{A80C0957-DB1B-B44D-A5F8-E2FA01BEB66A}"/>
+              </a:ext>
+            </a:extLst>
+          </p:cNvPr>
+          <p:cNvSpPr>
+            <a:spLocks noGrp="1"/>
+          </p:cNvSpPr>
+          <p:nvPr>
+            <p:ph type="title"/>
+          </p:nvPr>
+        </p:nvSpPr>
+        <p:spPr/>
+        <p:txBody>
+          <a:bodyPr/>
+          <a:lstStyle/>
+          <a:p>
+            <a:r>
+              <a:rPr lang="en-US" dirty="0"/>
+              <a:t>Add google-</a:t>
+            </a:r>
+            <a:r>
+              <a:rPr lang="en-US" dirty="0" err="1"/>
+              <a:t>service.json</a:t>
+            </a:r>
+            <a:endParaRPr lang="en-US" dirty="0"/>
+          </a:p>
+        </p:txBody>
+      </p:sp>
+    </p:spTree>
+    <p:extLst>
+      <p:ext uri="{BB962C8B-B14F-4D97-AF65-F5344CB8AC3E}">
+        <p14:creationId xmlns:p14="http://schemas.microsoft.com/office/powerpoint/2010/main" val="3366710737"/>
       </p:ext>
     </p:extLst>
   </p:cSld>

--- a/One day Android Master.pptx
+++ b/One day Android Master.pptx
@@ -11,6 +11,11 @@
     <p:sldId id="259" r:id="rId5"/>
     <p:sldId id="260" r:id="rId6"/>
     <p:sldId id="261" r:id="rId7"/>
+    <p:sldId id="262" r:id="rId8"/>
+    <p:sldId id="263" r:id="rId9"/>
+    <p:sldId id="264" r:id="rId10"/>
+    <p:sldId id="265" r:id="rId11"/>
+    <p:sldId id="266" r:id="rId12"/>
   </p:sldIdLst>
   <p:sldSz cx="12192000" cy="6858000"/>
   <p:notesSz cx="6858000" cy="9144000"/>
@@ -109,6 +114,11 @@
       </a:defRPr>
     </a:lvl9pPr>
   </p:defaultTextStyle>
+  <p:extLst>
+    <p:ext uri="{EFAFB233-063F-42B5-8137-9DF3F51BA10A}">
+      <p15:sldGuideLst xmlns:p15="http://schemas.microsoft.com/office/powerpoint/2012/main"/>
+    </p:ext>
+  </p:extLst>
 </p:presentation>
 </file>
 
@@ -259,7 +269,7 @@
           <a:p>
             <a:fld id="{210D147D-7F15-6C4E-99A6-69D63894C994}" type="datetimeFigureOut">
               <a:rPr lang="en-US" smtClean="0"/>
-              <a:t>7/19/19</a:t>
+              <a:t>7/21/19</a:t>
             </a:fld>
             <a:endParaRPr lang="en-US"/>
           </a:p>
@@ -457,7 +467,7 @@
           <a:p>
             <a:fld id="{210D147D-7F15-6C4E-99A6-69D63894C994}" type="datetimeFigureOut">
               <a:rPr lang="en-US" smtClean="0"/>
-              <a:t>7/19/19</a:t>
+              <a:t>7/21/19</a:t>
             </a:fld>
             <a:endParaRPr lang="en-US"/>
           </a:p>
@@ -665,7 +675,7 @@
           <a:p>
             <a:fld id="{210D147D-7F15-6C4E-99A6-69D63894C994}" type="datetimeFigureOut">
               <a:rPr lang="en-US" smtClean="0"/>
-              <a:t>7/19/19</a:t>
+              <a:t>7/21/19</a:t>
             </a:fld>
             <a:endParaRPr lang="en-US"/>
           </a:p>
@@ -863,7 +873,7 @@
           <a:p>
             <a:fld id="{210D147D-7F15-6C4E-99A6-69D63894C994}" type="datetimeFigureOut">
               <a:rPr lang="en-US" smtClean="0"/>
-              <a:t>7/19/19</a:t>
+              <a:t>7/21/19</a:t>
             </a:fld>
             <a:endParaRPr lang="en-US"/>
           </a:p>
@@ -1138,7 +1148,7 @@
           <a:p>
             <a:fld id="{210D147D-7F15-6C4E-99A6-69D63894C994}" type="datetimeFigureOut">
               <a:rPr lang="en-US" smtClean="0"/>
-              <a:t>7/19/19</a:t>
+              <a:t>7/21/19</a:t>
             </a:fld>
             <a:endParaRPr lang="en-US"/>
           </a:p>
@@ -1403,7 +1413,7 @@
           <a:p>
             <a:fld id="{210D147D-7F15-6C4E-99A6-69D63894C994}" type="datetimeFigureOut">
               <a:rPr lang="en-US" smtClean="0"/>
-              <a:t>7/19/19</a:t>
+              <a:t>7/21/19</a:t>
             </a:fld>
             <a:endParaRPr lang="en-US"/>
           </a:p>
@@ -1815,7 +1825,7 @@
           <a:p>
             <a:fld id="{210D147D-7F15-6C4E-99A6-69D63894C994}" type="datetimeFigureOut">
               <a:rPr lang="en-US" smtClean="0"/>
-              <a:t>7/19/19</a:t>
+              <a:t>7/21/19</a:t>
             </a:fld>
             <a:endParaRPr lang="en-US"/>
           </a:p>
@@ -1956,7 +1966,7 @@
           <a:p>
             <a:fld id="{210D147D-7F15-6C4E-99A6-69D63894C994}" type="datetimeFigureOut">
               <a:rPr lang="en-US" smtClean="0"/>
-              <a:t>7/19/19</a:t>
+              <a:t>7/21/19</a:t>
             </a:fld>
             <a:endParaRPr lang="en-US"/>
           </a:p>
@@ -2069,7 +2079,7 @@
           <a:p>
             <a:fld id="{210D147D-7F15-6C4E-99A6-69D63894C994}" type="datetimeFigureOut">
               <a:rPr lang="en-US" smtClean="0"/>
-              <a:t>7/19/19</a:t>
+              <a:t>7/21/19</a:t>
             </a:fld>
             <a:endParaRPr lang="en-US"/>
           </a:p>
@@ -2380,7 +2390,7 @@
           <a:p>
             <a:fld id="{210D147D-7F15-6C4E-99A6-69D63894C994}" type="datetimeFigureOut">
               <a:rPr lang="en-US" smtClean="0"/>
-              <a:t>7/19/19</a:t>
+              <a:t>7/21/19</a:t>
             </a:fld>
             <a:endParaRPr lang="en-US"/>
           </a:p>
@@ -2668,7 +2678,7 @@
           <a:p>
             <a:fld id="{210D147D-7F15-6C4E-99A6-69D63894C994}" type="datetimeFigureOut">
               <a:rPr lang="en-US" smtClean="0"/>
-              <a:t>7/19/19</a:t>
+              <a:t>7/21/19</a:t>
             </a:fld>
             <a:endParaRPr lang="en-US"/>
           </a:p>
@@ -2909,7 +2919,7 @@
           <a:p>
             <a:fld id="{210D147D-7F15-6C4E-99A6-69D63894C994}" type="datetimeFigureOut">
               <a:rPr lang="en-US" smtClean="0"/>
-              <a:t>7/19/19</a:t>
+              <a:t>7/21/19</a:t>
             </a:fld>
             <a:endParaRPr lang="en-US"/>
           </a:p>
@@ -3474,6 +3484,258 @@
 </p:sld>
 </file>
 
+<file path=ppt/slides/slide10.xml><?xml version="1.0" encoding="utf-8"?>
+<p:sld xmlns:a="http://schemas.openxmlformats.org/drawingml/2006/main" xmlns:r="http://schemas.openxmlformats.org/officeDocument/2006/relationships" xmlns:p="http://schemas.openxmlformats.org/presentationml/2006/main">
+  <p:cSld>
+    <p:spTree>
+      <p:nvGrpSpPr>
+        <p:cNvPr id="1" name=""/>
+        <p:cNvGrpSpPr/>
+        <p:nvPr/>
+      </p:nvGrpSpPr>
+      <p:grpSpPr>
+        <a:xfrm>
+          <a:off x="0" y="0"/>
+          <a:ext cx="0" cy="0"/>
+          <a:chOff x="0" y="0"/>
+          <a:chExt cx="0" cy="0"/>
+        </a:xfrm>
+      </p:grpSpPr>
+      <p:sp>
+        <p:nvSpPr>
+          <p:cNvPr id="2" name="Title 1">
+            <a:extLst>
+              <a:ext uri="{FF2B5EF4-FFF2-40B4-BE49-F238E27FC236}">
+                <a16:creationId xmlns:a16="http://schemas.microsoft.com/office/drawing/2014/main" id="{F3922971-6935-B54F-AD02-3B0E669AD970}"/>
+              </a:ext>
+            </a:extLst>
+          </p:cNvPr>
+          <p:cNvSpPr>
+            <a:spLocks noGrp="1"/>
+          </p:cNvSpPr>
+          <p:nvPr>
+            <p:ph type="title"/>
+          </p:nvPr>
+        </p:nvSpPr>
+        <p:spPr/>
+        <p:txBody>
+          <a:bodyPr/>
+          <a:lstStyle/>
+          <a:p>
+            <a:r>
+              <a:rPr lang="en-US" dirty="0"/>
+              <a:t>Firebase Cloud Messaging</a:t>
+            </a:r>
+          </a:p>
+        </p:txBody>
+      </p:sp>
+      <p:sp>
+        <p:nvSpPr>
+          <p:cNvPr id="4" name="TextBox 3">
+            <a:extLst>
+              <a:ext uri="{FF2B5EF4-FFF2-40B4-BE49-F238E27FC236}">
+                <a16:creationId xmlns:a16="http://schemas.microsoft.com/office/drawing/2014/main" id="{C912EC38-ABA3-6545-B1C3-55B9AAB03186}"/>
+              </a:ext>
+            </a:extLst>
+          </p:cNvPr>
+          <p:cNvSpPr txBox="1"/>
+          <p:nvPr/>
+        </p:nvSpPr>
+        <p:spPr>
+          <a:xfrm>
+            <a:off x="838200" y="5629620"/>
+            <a:ext cx="7135736" cy="369332"/>
+          </a:xfrm>
+          <a:prstGeom prst="rect">
+            <a:avLst/>
+          </a:prstGeom>
+          <a:noFill/>
+        </p:spPr>
+        <p:txBody>
+          <a:bodyPr wrap="none" rtlCol="0">
+            <a:spAutoFit/>
+          </a:bodyPr>
+          <a:lstStyle/>
+          <a:p>
+            <a:r>
+              <a:rPr lang="en-ID" dirty="0">
+                <a:hlinkClick r:id="rId2"/>
+              </a:rPr>
+              <a:t>https://firebase.google.com/docs/cloud-messaging/android/first-message</a:t>
+            </a:r>
+            <a:endParaRPr lang="en-US" dirty="0"/>
+          </a:p>
+        </p:txBody>
+      </p:sp>
+      <p:pic>
+        <p:nvPicPr>
+          <p:cNvPr id="5" name="Picture 4">
+            <a:extLst>
+              <a:ext uri="{FF2B5EF4-FFF2-40B4-BE49-F238E27FC236}">
+                <a16:creationId xmlns:a16="http://schemas.microsoft.com/office/drawing/2014/main" id="{65E3ADC8-A6CB-6647-BABC-EC416CA4B10C}"/>
+              </a:ext>
+            </a:extLst>
+          </p:cNvPr>
+          <p:cNvPicPr>
+            <a:picLocks noChangeAspect="1"/>
+          </p:cNvPicPr>
+          <p:nvPr/>
+        </p:nvPicPr>
+        <p:blipFill>
+          <a:blip r:embed="rId3"/>
+          <a:stretch>
+            <a:fillRect/>
+          </a:stretch>
+        </p:blipFill>
+        <p:spPr>
+          <a:xfrm>
+            <a:off x="838200" y="1288674"/>
+            <a:ext cx="7024987" cy="4170183"/>
+          </a:xfrm>
+          <a:prstGeom prst="rect">
+            <a:avLst/>
+          </a:prstGeom>
+        </p:spPr>
+      </p:pic>
+    </p:spTree>
+    <p:extLst>
+      <p:ext uri="{BB962C8B-B14F-4D97-AF65-F5344CB8AC3E}">
+        <p14:creationId xmlns:p14="http://schemas.microsoft.com/office/powerpoint/2010/main" val="3335779229"/>
+      </p:ext>
+    </p:extLst>
+  </p:cSld>
+  <p:clrMapOvr>
+    <a:masterClrMapping/>
+  </p:clrMapOvr>
+</p:sld>
+</file>
+
+<file path=ppt/slides/slide11.xml><?xml version="1.0" encoding="utf-8"?>
+<p:sld xmlns:a="http://schemas.openxmlformats.org/drawingml/2006/main" xmlns:r="http://schemas.openxmlformats.org/officeDocument/2006/relationships" xmlns:p="http://schemas.openxmlformats.org/presentationml/2006/main">
+  <p:cSld>
+    <p:spTree>
+      <p:nvGrpSpPr>
+        <p:cNvPr id="1" name=""/>
+        <p:cNvGrpSpPr/>
+        <p:nvPr/>
+      </p:nvGrpSpPr>
+      <p:grpSpPr>
+        <a:xfrm>
+          <a:off x="0" y="0"/>
+          <a:ext cx="0" cy="0"/>
+          <a:chOff x="0" y="0"/>
+          <a:chExt cx="0" cy="0"/>
+        </a:xfrm>
+      </p:grpSpPr>
+      <p:sp>
+        <p:nvSpPr>
+          <p:cNvPr id="2" name="Title 1">
+            <a:extLst>
+              <a:ext uri="{FF2B5EF4-FFF2-40B4-BE49-F238E27FC236}">
+                <a16:creationId xmlns:a16="http://schemas.microsoft.com/office/drawing/2014/main" id="{2EAF2965-F6BF-2747-8820-7D19DA9FC1D7}"/>
+              </a:ext>
+            </a:extLst>
+          </p:cNvPr>
+          <p:cNvSpPr>
+            <a:spLocks noGrp="1"/>
+          </p:cNvSpPr>
+          <p:nvPr>
+            <p:ph type="title"/>
+          </p:nvPr>
+        </p:nvSpPr>
+        <p:spPr/>
+        <p:txBody>
+          <a:bodyPr/>
+          <a:lstStyle/>
+          <a:p>
+            <a:r>
+              <a:rPr lang="en-US" dirty="0"/>
+              <a:t>Coding Step by Step</a:t>
+            </a:r>
+          </a:p>
+        </p:txBody>
+      </p:sp>
+      <p:pic>
+        <p:nvPicPr>
+          <p:cNvPr id="5" name="Picture 4">
+            <a:extLst>
+              <a:ext uri="{FF2B5EF4-FFF2-40B4-BE49-F238E27FC236}">
+                <a16:creationId xmlns:a16="http://schemas.microsoft.com/office/drawing/2014/main" id="{0FDC3F92-B18C-1B48-9190-F1518B1BDC91}"/>
+              </a:ext>
+            </a:extLst>
+          </p:cNvPr>
+          <p:cNvPicPr>
+            <a:picLocks noChangeAspect="1"/>
+          </p:cNvPicPr>
+          <p:nvPr/>
+        </p:nvPicPr>
+        <p:blipFill>
+          <a:blip r:embed="rId2"/>
+          <a:stretch>
+            <a:fillRect/>
+          </a:stretch>
+        </p:blipFill>
+        <p:spPr>
+          <a:xfrm>
+            <a:off x="572877" y="1403808"/>
+            <a:ext cx="5805889" cy="4782162"/>
+          </a:xfrm>
+          <a:prstGeom prst="rect">
+            <a:avLst/>
+          </a:prstGeom>
+        </p:spPr>
+      </p:pic>
+      <p:sp>
+        <p:nvSpPr>
+          <p:cNvPr id="6" name="TextBox 5">
+            <a:extLst>
+              <a:ext uri="{FF2B5EF4-FFF2-40B4-BE49-F238E27FC236}">
+                <a16:creationId xmlns:a16="http://schemas.microsoft.com/office/drawing/2014/main" id="{AC3DC867-DF45-3A44-A0E0-74DF68CF3C07}"/>
+              </a:ext>
+            </a:extLst>
+          </p:cNvPr>
+          <p:cNvSpPr txBox="1"/>
+          <p:nvPr/>
+        </p:nvSpPr>
+        <p:spPr>
+          <a:xfrm>
+            <a:off x="838200" y="6301648"/>
+            <a:ext cx="5415650" cy="369332"/>
+          </a:xfrm>
+          <a:prstGeom prst="rect">
+            <a:avLst/>
+          </a:prstGeom>
+          <a:noFill/>
+        </p:spPr>
+        <p:txBody>
+          <a:bodyPr wrap="none" rtlCol="0">
+            <a:spAutoFit/>
+          </a:bodyPr>
+          <a:lstStyle/>
+          <a:p>
+            <a:r>
+              <a:rPr lang="en-ID" dirty="0">
+                <a:hlinkClick r:id="rId3"/>
+              </a:rPr>
+              <a:t>https://github.com/fauzisho/Android-Firebase-Module/</a:t>
+            </a:r>
+            <a:endParaRPr lang="en-US" dirty="0"/>
+          </a:p>
+        </p:txBody>
+      </p:sp>
+    </p:spTree>
+    <p:extLst>
+      <p:ext uri="{BB962C8B-B14F-4D97-AF65-F5344CB8AC3E}">
+        <p14:creationId xmlns:p14="http://schemas.microsoft.com/office/powerpoint/2010/main" val="1145814395"/>
+      </p:ext>
+    </p:extLst>
+  </p:cSld>
+  <p:clrMapOvr>
+    <a:masterClrMapping/>
+  </p:clrMapOvr>
+</p:sld>
+</file>
+
 <file path=ppt/slides/slide2.xml><?xml version="1.0" encoding="utf-8"?>
 <p:sld xmlns:a="http://schemas.openxmlformats.org/drawingml/2006/main" xmlns:r="http://schemas.openxmlformats.org/officeDocument/2006/relationships" xmlns:p="http://schemas.openxmlformats.org/presentationml/2006/main">
   <p:cSld>
@@ -4400,10 +4662,543 @@
           </a:p>
         </p:txBody>
       </p:sp>
+      <p:pic>
+        <p:nvPicPr>
+          <p:cNvPr id="4" name="Picture 3">
+            <a:extLst>
+              <a:ext uri="{FF2B5EF4-FFF2-40B4-BE49-F238E27FC236}">
+                <a16:creationId xmlns:a16="http://schemas.microsoft.com/office/drawing/2014/main" id="{813D7938-1627-8B4B-A5E3-E6D443EE4B62}"/>
+              </a:ext>
+            </a:extLst>
+          </p:cNvPr>
+          <p:cNvPicPr>
+            <a:picLocks noChangeAspect="1"/>
+          </p:cNvPicPr>
+          <p:nvPr/>
+        </p:nvPicPr>
+        <p:blipFill>
+          <a:blip r:embed="rId2"/>
+          <a:stretch>
+            <a:fillRect/>
+          </a:stretch>
+        </p:blipFill>
+        <p:spPr>
+          <a:xfrm>
+            <a:off x="838199" y="1549629"/>
+            <a:ext cx="3256469" cy="4654627"/>
+          </a:xfrm>
+          <a:prstGeom prst="rect">
+            <a:avLst/>
+          </a:prstGeom>
+        </p:spPr>
+      </p:pic>
+      <p:pic>
+        <p:nvPicPr>
+          <p:cNvPr id="6" name="Picture 5">
+            <a:extLst>
+              <a:ext uri="{FF2B5EF4-FFF2-40B4-BE49-F238E27FC236}">
+                <a16:creationId xmlns:a16="http://schemas.microsoft.com/office/drawing/2014/main" id="{93C76F1C-72AA-7347-8E4E-9B81815D0CA7}"/>
+              </a:ext>
+            </a:extLst>
+          </p:cNvPr>
+          <p:cNvPicPr>
+            <a:picLocks noChangeAspect="1"/>
+          </p:cNvPicPr>
+          <p:nvPr/>
+        </p:nvPicPr>
+        <p:blipFill>
+          <a:blip r:embed="rId3"/>
+          <a:stretch>
+            <a:fillRect/>
+          </a:stretch>
+        </p:blipFill>
+        <p:spPr>
+          <a:xfrm>
+            <a:off x="4180423" y="1549629"/>
+            <a:ext cx="7651442" cy="4654627"/>
+          </a:xfrm>
+          <a:prstGeom prst="rect">
+            <a:avLst/>
+          </a:prstGeom>
+        </p:spPr>
+      </p:pic>
+      <p:sp>
+        <p:nvSpPr>
+          <p:cNvPr id="7" name="Rectangle 6">
+            <a:extLst>
+              <a:ext uri="{FF2B5EF4-FFF2-40B4-BE49-F238E27FC236}">
+                <a16:creationId xmlns:a16="http://schemas.microsoft.com/office/drawing/2014/main" id="{07BB4164-32A5-234A-851C-1C3B9E402EF5}"/>
+              </a:ext>
+            </a:extLst>
+          </p:cNvPr>
+          <p:cNvSpPr/>
+          <p:nvPr/>
+        </p:nvSpPr>
+        <p:spPr>
+          <a:xfrm>
+            <a:off x="8879596" y="1288973"/>
+            <a:ext cx="3073706" cy="3977090"/>
+          </a:xfrm>
+          <a:prstGeom prst="rect">
+            <a:avLst/>
+          </a:prstGeom>
+          <a:noFill/>
+          <a:ln w="34925"/>
+        </p:spPr>
+        <p:style>
+          <a:lnRef idx="2">
+            <a:schemeClr val="accent6"/>
+          </a:lnRef>
+          <a:fillRef idx="1">
+            <a:schemeClr val="lt1"/>
+          </a:fillRef>
+          <a:effectRef idx="0">
+            <a:schemeClr val="accent6"/>
+          </a:effectRef>
+          <a:fontRef idx="minor">
+            <a:schemeClr val="dk1"/>
+          </a:fontRef>
+        </p:style>
+        <p:txBody>
+          <a:bodyPr rtlCol="0" anchor="ctr"/>
+          <a:lstStyle/>
+          <a:p>
+            <a:pPr algn="ctr"/>
+            <a:endParaRPr lang="en-US"/>
+          </a:p>
+        </p:txBody>
+      </p:sp>
     </p:spTree>
     <p:extLst>
       <p:ext uri="{BB962C8B-B14F-4D97-AF65-F5344CB8AC3E}">
         <p14:creationId xmlns:p14="http://schemas.microsoft.com/office/powerpoint/2010/main" val="3366710737"/>
+      </p:ext>
+    </p:extLst>
+  </p:cSld>
+  <p:clrMapOvr>
+    <a:masterClrMapping/>
+  </p:clrMapOvr>
+</p:sld>
+</file>
+
+<file path=ppt/slides/slide7.xml><?xml version="1.0" encoding="utf-8"?>
+<p:sld xmlns:a="http://schemas.openxmlformats.org/drawingml/2006/main" xmlns:r="http://schemas.openxmlformats.org/officeDocument/2006/relationships" xmlns:p="http://schemas.openxmlformats.org/presentationml/2006/main">
+  <p:cSld>
+    <p:spTree>
+      <p:nvGrpSpPr>
+        <p:cNvPr id="1" name=""/>
+        <p:cNvGrpSpPr/>
+        <p:nvPr/>
+      </p:nvGrpSpPr>
+      <p:grpSpPr>
+        <a:xfrm>
+          <a:off x="0" y="0"/>
+          <a:ext cx="0" cy="0"/>
+          <a:chOff x="0" y="0"/>
+          <a:chExt cx="0" cy="0"/>
+        </a:xfrm>
+      </p:grpSpPr>
+      <p:sp>
+        <p:nvSpPr>
+          <p:cNvPr id="2" name="Title 1">
+            <a:extLst>
+              <a:ext uri="{FF2B5EF4-FFF2-40B4-BE49-F238E27FC236}">
+                <a16:creationId xmlns:a16="http://schemas.microsoft.com/office/drawing/2014/main" id="{F850D15B-B1BD-AA44-921B-C5CE63A1E782}"/>
+              </a:ext>
+            </a:extLst>
+          </p:cNvPr>
+          <p:cNvSpPr>
+            <a:spLocks noGrp="1"/>
+          </p:cNvSpPr>
+          <p:nvPr>
+            <p:ph type="title"/>
+          </p:nvPr>
+        </p:nvSpPr>
+        <p:spPr/>
+        <p:txBody>
+          <a:bodyPr/>
+          <a:lstStyle/>
+          <a:p>
+            <a:r>
+              <a:rPr lang="en-US" dirty="0" err="1"/>
+              <a:t>Auth</a:t>
+            </a:r>
+            <a:r>
+              <a:rPr lang="en-US" dirty="0"/>
+              <a:t> Setup</a:t>
+            </a:r>
+          </a:p>
+        </p:txBody>
+      </p:sp>
+      <p:pic>
+        <p:nvPicPr>
+          <p:cNvPr id="9" name="Picture 8">
+            <a:extLst>
+              <a:ext uri="{FF2B5EF4-FFF2-40B4-BE49-F238E27FC236}">
+                <a16:creationId xmlns:a16="http://schemas.microsoft.com/office/drawing/2014/main" id="{8A3B267A-0B1E-1C45-9E20-7676CFA7067D}"/>
+              </a:ext>
+            </a:extLst>
+          </p:cNvPr>
+          <p:cNvPicPr>
+            <a:picLocks noChangeAspect="1"/>
+          </p:cNvPicPr>
+          <p:nvPr/>
+        </p:nvPicPr>
+        <p:blipFill>
+          <a:blip r:embed="rId2"/>
+          <a:stretch>
+            <a:fillRect/>
+          </a:stretch>
+        </p:blipFill>
+        <p:spPr>
+          <a:xfrm>
+            <a:off x="838200" y="1862004"/>
+            <a:ext cx="5041900" cy="1701800"/>
+          </a:xfrm>
+          <a:prstGeom prst="rect">
+            <a:avLst/>
+          </a:prstGeom>
+        </p:spPr>
+      </p:pic>
+      <p:sp>
+        <p:nvSpPr>
+          <p:cNvPr id="10" name="TextBox 9">
+            <a:extLst>
+              <a:ext uri="{FF2B5EF4-FFF2-40B4-BE49-F238E27FC236}">
+                <a16:creationId xmlns:a16="http://schemas.microsoft.com/office/drawing/2014/main" id="{CA70C246-C5D4-8A48-AFB2-45CD610772A3}"/>
+              </a:ext>
+            </a:extLst>
+          </p:cNvPr>
+          <p:cNvSpPr txBox="1"/>
+          <p:nvPr/>
+        </p:nvSpPr>
+        <p:spPr>
+          <a:xfrm>
+            <a:off x="838200" y="3735120"/>
+            <a:ext cx="6146041" cy="369332"/>
+          </a:xfrm>
+          <a:prstGeom prst="rect">
+            <a:avLst/>
+          </a:prstGeom>
+          <a:noFill/>
+        </p:spPr>
+        <p:txBody>
+          <a:bodyPr wrap="none" rtlCol="0">
+            <a:spAutoFit/>
+          </a:bodyPr>
+          <a:lstStyle/>
+          <a:p>
+            <a:r>
+              <a:rPr lang="en-ID" dirty="0">
+                <a:hlinkClick r:id="rId3"/>
+              </a:rPr>
+              <a:t>https://firebase.google.com/docs/auth/android/password-auth</a:t>
+            </a:r>
+            <a:endParaRPr lang="en-US" dirty="0"/>
+          </a:p>
+        </p:txBody>
+      </p:sp>
+    </p:spTree>
+    <p:extLst>
+      <p:ext uri="{BB962C8B-B14F-4D97-AF65-F5344CB8AC3E}">
+        <p14:creationId xmlns:p14="http://schemas.microsoft.com/office/powerpoint/2010/main" val="3553503473"/>
+      </p:ext>
+    </p:extLst>
+  </p:cSld>
+  <p:clrMapOvr>
+    <a:masterClrMapping/>
+  </p:clrMapOvr>
+</p:sld>
+</file>
+
+<file path=ppt/slides/slide8.xml><?xml version="1.0" encoding="utf-8"?>
+<p:sld xmlns:a="http://schemas.openxmlformats.org/drawingml/2006/main" xmlns:r="http://schemas.openxmlformats.org/officeDocument/2006/relationships" xmlns:p="http://schemas.openxmlformats.org/presentationml/2006/main">
+  <p:cSld>
+    <p:spTree>
+      <p:nvGrpSpPr>
+        <p:cNvPr id="1" name=""/>
+        <p:cNvGrpSpPr/>
+        <p:nvPr/>
+      </p:nvGrpSpPr>
+      <p:grpSpPr>
+        <a:xfrm>
+          <a:off x="0" y="0"/>
+          <a:ext cx="0" cy="0"/>
+          <a:chOff x="0" y="0"/>
+          <a:chExt cx="0" cy="0"/>
+        </a:xfrm>
+      </p:grpSpPr>
+      <p:sp>
+        <p:nvSpPr>
+          <p:cNvPr id="2" name="Title 1">
+            <a:extLst>
+              <a:ext uri="{FF2B5EF4-FFF2-40B4-BE49-F238E27FC236}">
+                <a16:creationId xmlns:a16="http://schemas.microsoft.com/office/drawing/2014/main" id="{25355B92-484C-6D4B-BB79-497DAC5E6B16}"/>
+              </a:ext>
+            </a:extLst>
+          </p:cNvPr>
+          <p:cNvSpPr>
+            <a:spLocks noGrp="1"/>
+          </p:cNvSpPr>
+          <p:nvPr>
+            <p:ph type="title"/>
+          </p:nvPr>
+        </p:nvSpPr>
+        <p:spPr/>
+        <p:txBody>
+          <a:bodyPr/>
+          <a:lstStyle/>
+          <a:p>
+            <a:r>
+              <a:rPr lang="en-US" dirty="0"/>
+              <a:t>Realtime Database </a:t>
+            </a:r>
+          </a:p>
+        </p:txBody>
+      </p:sp>
+      <p:pic>
+        <p:nvPicPr>
+          <p:cNvPr id="13" name="Picture 12">
+            <a:extLst>
+              <a:ext uri="{FF2B5EF4-FFF2-40B4-BE49-F238E27FC236}">
+                <a16:creationId xmlns:a16="http://schemas.microsoft.com/office/drawing/2014/main" id="{10A14AC8-349B-DB42-8351-0AC905FA26E3}"/>
+              </a:ext>
+            </a:extLst>
+          </p:cNvPr>
+          <p:cNvPicPr>
+            <a:picLocks noChangeAspect="1"/>
+          </p:cNvPicPr>
+          <p:nvPr/>
+        </p:nvPicPr>
+        <p:blipFill>
+          <a:blip r:embed="rId2"/>
+          <a:stretch>
+            <a:fillRect/>
+          </a:stretch>
+        </p:blipFill>
+        <p:spPr>
+          <a:xfrm>
+            <a:off x="749149" y="1403563"/>
+            <a:ext cx="7549844" cy="4856314"/>
+          </a:xfrm>
+          <a:prstGeom prst="rect">
+            <a:avLst/>
+          </a:prstGeom>
+        </p:spPr>
+      </p:pic>
+      <p:sp>
+        <p:nvSpPr>
+          <p:cNvPr id="14" name="Rectangle 13">
+            <a:extLst>
+              <a:ext uri="{FF2B5EF4-FFF2-40B4-BE49-F238E27FC236}">
+                <a16:creationId xmlns:a16="http://schemas.microsoft.com/office/drawing/2014/main" id="{F877270F-7392-B64B-93E0-94D0AE072687}"/>
+              </a:ext>
+            </a:extLst>
+          </p:cNvPr>
+          <p:cNvSpPr/>
+          <p:nvPr/>
+        </p:nvSpPr>
+        <p:spPr>
+          <a:xfrm>
+            <a:off x="2126255" y="4274546"/>
+            <a:ext cx="1355075" cy="462708"/>
+          </a:xfrm>
+          <a:prstGeom prst="rect">
+            <a:avLst/>
+          </a:prstGeom>
+          <a:noFill/>
+        </p:spPr>
+        <p:style>
+          <a:lnRef idx="2">
+            <a:schemeClr val="accent6"/>
+          </a:lnRef>
+          <a:fillRef idx="1">
+            <a:schemeClr val="lt1"/>
+          </a:fillRef>
+          <a:effectRef idx="0">
+            <a:schemeClr val="accent6"/>
+          </a:effectRef>
+          <a:fontRef idx="minor">
+            <a:schemeClr val="dk1"/>
+          </a:fontRef>
+        </p:style>
+        <p:txBody>
+          <a:bodyPr rtlCol="0" anchor="ctr"/>
+          <a:lstStyle/>
+          <a:p>
+            <a:pPr algn="ctr"/>
+            <a:endParaRPr lang="en-US"/>
+          </a:p>
+        </p:txBody>
+      </p:sp>
+      <p:sp>
+        <p:nvSpPr>
+          <p:cNvPr id="15" name="TextBox 14">
+            <a:extLst>
+              <a:ext uri="{FF2B5EF4-FFF2-40B4-BE49-F238E27FC236}">
+                <a16:creationId xmlns:a16="http://schemas.microsoft.com/office/drawing/2014/main" id="{21A0AFDF-438C-DD44-9F1E-497BE20AA261}"/>
+              </a:ext>
+            </a:extLst>
+          </p:cNvPr>
+          <p:cNvSpPr txBox="1"/>
+          <p:nvPr/>
+        </p:nvSpPr>
+        <p:spPr>
+          <a:xfrm>
+            <a:off x="681300" y="6367749"/>
+            <a:ext cx="5600059" cy="369332"/>
+          </a:xfrm>
+          <a:prstGeom prst="rect">
+            <a:avLst/>
+          </a:prstGeom>
+          <a:noFill/>
+        </p:spPr>
+        <p:txBody>
+          <a:bodyPr wrap="none" rtlCol="0">
+            <a:spAutoFit/>
+          </a:bodyPr>
+          <a:lstStyle/>
+          <a:p>
+            <a:r>
+              <a:rPr lang="en-ID" dirty="0">
+                <a:hlinkClick r:id="rId3"/>
+              </a:rPr>
+              <a:t>https://firebase.google.com/docs/database/android/start</a:t>
+            </a:r>
+            <a:endParaRPr lang="en-US" dirty="0"/>
+          </a:p>
+        </p:txBody>
+      </p:sp>
+    </p:spTree>
+    <p:extLst>
+      <p:ext uri="{BB962C8B-B14F-4D97-AF65-F5344CB8AC3E}">
+        <p14:creationId xmlns:p14="http://schemas.microsoft.com/office/powerpoint/2010/main" val="3460953627"/>
+      </p:ext>
+    </p:extLst>
+  </p:cSld>
+  <p:clrMapOvr>
+    <a:masterClrMapping/>
+  </p:clrMapOvr>
+</p:sld>
+</file>
+
+<file path=ppt/slides/slide9.xml><?xml version="1.0" encoding="utf-8"?>
+<p:sld xmlns:a="http://schemas.openxmlformats.org/drawingml/2006/main" xmlns:r="http://schemas.openxmlformats.org/officeDocument/2006/relationships" xmlns:p="http://schemas.openxmlformats.org/presentationml/2006/main">
+  <p:cSld>
+    <p:spTree>
+      <p:nvGrpSpPr>
+        <p:cNvPr id="1" name=""/>
+        <p:cNvGrpSpPr/>
+        <p:nvPr/>
+      </p:nvGrpSpPr>
+      <p:grpSpPr>
+        <a:xfrm>
+          <a:off x="0" y="0"/>
+          <a:ext cx="0" cy="0"/>
+          <a:chOff x="0" y="0"/>
+          <a:chExt cx="0" cy="0"/>
+        </a:xfrm>
+      </p:grpSpPr>
+      <p:sp>
+        <p:nvSpPr>
+          <p:cNvPr id="2" name="Title 1">
+            <a:extLst>
+              <a:ext uri="{FF2B5EF4-FFF2-40B4-BE49-F238E27FC236}">
+                <a16:creationId xmlns:a16="http://schemas.microsoft.com/office/drawing/2014/main" id="{F3922971-6935-B54F-AD02-3B0E669AD970}"/>
+              </a:ext>
+            </a:extLst>
+          </p:cNvPr>
+          <p:cNvSpPr>
+            <a:spLocks noGrp="1"/>
+          </p:cNvSpPr>
+          <p:nvPr>
+            <p:ph type="title"/>
+          </p:nvPr>
+        </p:nvSpPr>
+        <p:spPr/>
+        <p:txBody>
+          <a:bodyPr/>
+          <a:lstStyle/>
+          <a:p>
+            <a:r>
+              <a:rPr lang="en-US" dirty="0"/>
+              <a:t>Firebase Cloud Messaging</a:t>
+            </a:r>
+          </a:p>
+        </p:txBody>
+      </p:sp>
+      <p:sp>
+        <p:nvSpPr>
+          <p:cNvPr id="4" name="TextBox 3">
+            <a:extLst>
+              <a:ext uri="{FF2B5EF4-FFF2-40B4-BE49-F238E27FC236}">
+                <a16:creationId xmlns:a16="http://schemas.microsoft.com/office/drawing/2014/main" id="{C912EC38-ABA3-6545-B1C3-55B9AAB03186}"/>
+              </a:ext>
+            </a:extLst>
+          </p:cNvPr>
+          <p:cNvSpPr txBox="1"/>
+          <p:nvPr/>
+        </p:nvSpPr>
+        <p:spPr>
+          <a:xfrm>
+            <a:off x="838200" y="5629620"/>
+            <a:ext cx="6407652" cy="369332"/>
+          </a:xfrm>
+          <a:prstGeom prst="rect">
+            <a:avLst/>
+          </a:prstGeom>
+          <a:noFill/>
+        </p:spPr>
+        <p:txBody>
+          <a:bodyPr wrap="none" rtlCol="0">
+            <a:spAutoFit/>
+          </a:bodyPr>
+          <a:lstStyle/>
+          <a:p>
+            <a:r>
+              <a:rPr lang="en-ID" dirty="0">
+                <a:hlinkClick r:id="rId2"/>
+              </a:rPr>
+              <a:t>https://firebase.google.com/docs/cloud-messaging/android/client</a:t>
+            </a:r>
+            <a:endParaRPr lang="en-US" dirty="0"/>
+          </a:p>
+        </p:txBody>
+      </p:sp>
+      <p:pic>
+        <p:nvPicPr>
+          <p:cNvPr id="6" name="Picture 5">
+            <a:extLst>
+              <a:ext uri="{FF2B5EF4-FFF2-40B4-BE49-F238E27FC236}">
+                <a16:creationId xmlns:a16="http://schemas.microsoft.com/office/drawing/2014/main" id="{DBA09758-8D14-544A-8AC9-6F888DDCBC69}"/>
+              </a:ext>
+            </a:extLst>
+          </p:cNvPr>
+          <p:cNvPicPr>
+            <a:picLocks noChangeAspect="1"/>
+          </p:cNvPicPr>
+          <p:nvPr/>
+        </p:nvPicPr>
+        <p:blipFill>
+          <a:blip r:embed="rId3"/>
+          <a:stretch>
+            <a:fillRect/>
+          </a:stretch>
+        </p:blipFill>
+        <p:spPr>
+          <a:xfrm>
+            <a:off x="838200" y="1307972"/>
+            <a:ext cx="6891263" cy="4123344"/>
+          </a:xfrm>
+          <a:prstGeom prst="rect">
+            <a:avLst/>
+          </a:prstGeom>
+        </p:spPr>
+      </p:pic>
+    </p:spTree>
+    <p:extLst>
+      <p:ext uri="{BB962C8B-B14F-4D97-AF65-F5344CB8AC3E}">
+        <p14:creationId xmlns:p14="http://schemas.microsoft.com/office/powerpoint/2010/main" val="3231311793"/>
       </p:ext>
     </p:extLst>
   </p:cSld>

--- a/One day Android Master.pptx
+++ b/One day Android Master.pptx
@@ -12,10 +12,13 @@
     <p:sldId id="260" r:id="rId6"/>
     <p:sldId id="261" r:id="rId7"/>
     <p:sldId id="262" r:id="rId8"/>
-    <p:sldId id="263" r:id="rId9"/>
-    <p:sldId id="264" r:id="rId10"/>
-    <p:sldId id="265" r:id="rId11"/>
-    <p:sldId id="266" r:id="rId12"/>
+    <p:sldId id="267" r:id="rId9"/>
+    <p:sldId id="268" r:id="rId10"/>
+    <p:sldId id="269" r:id="rId11"/>
+    <p:sldId id="263" r:id="rId12"/>
+    <p:sldId id="264" r:id="rId13"/>
+    <p:sldId id="265" r:id="rId14"/>
+    <p:sldId id="266" r:id="rId15"/>
   </p:sldIdLst>
   <p:sldSz cx="12192000" cy="6858000"/>
   <p:notesSz cx="6858000" cy="9144000"/>
@@ -3506,6 +3509,428 @@
           <p:cNvPr id="2" name="Title 1">
             <a:extLst>
               <a:ext uri="{FF2B5EF4-FFF2-40B4-BE49-F238E27FC236}">
+                <a16:creationId xmlns:a16="http://schemas.microsoft.com/office/drawing/2014/main" id="{E7AB5C4C-3CBC-D34D-8CB5-E0917D55028A}"/>
+              </a:ext>
+            </a:extLst>
+          </p:cNvPr>
+          <p:cNvSpPr>
+            <a:spLocks noGrp="1"/>
+          </p:cNvSpPr>
+          <p:nvPr>
+            <p:ph type="title"/>
+          </p:nvPr>
+        </p:nvSpPr>
+        <p:spPr/>
+        <p:txBody>
+          <a:bodyPr/>
+          <a:lstStyle/>
+          <a:p>
+            <a:r>
+              <a:rPr lang="en-US" dirty="0"/>
+              <a:t>Push Register with Email &amp; Password</a:t>
+            </a:r>
+          </a:p>
+        </p:txBody>
+      </p:sp>
+      <p:sp>
+        <p:nvSpPr>
+          <p:cNvPr id="4" name="Rectangle 3">
+            <a:extLst>
+              <a:ext uri="{FF2B5EF4-FFF2-40B4-BE49-F238E27FC236}">
+                <a16:creationId xmlns:a16="http://schemas.microsoft.com/office/drawing/2014/main" id="{07CB1101-B269-9847-BDE4-B5A2BB5E93B5}"/>
+              </a:ext>
+            </a:extLst>
+          </p:cNvPr>
+          <p:cNvSpPr/>
+          <p:nvPr/>
+        </p:nvSpPr>
+        <p:spPr>
+          <a:xfrm>
+            <a:off x="2725268" y="5859943"/>
+            <a:ext cx="6146041" cy="369332"/>
+          </a:xfrm>
+          <a:prstGeom prst="rect">
+            <a:avLst/>
+          </a:prstGeom>
+        </p:spPr>
+        <p:txBody>
+          <a:bodyPr wrap="none">
+            <a:spAutoFit/>
+          </a:bodyPr>
+          <a:lstStyle/>
+          <a:p>
+            <a:r>
+              <a:rPr lang="en-ID" dirty="0">
+                <a:hlinkClick r:id="rId2"/>
+              </a:rPr>
+              <a:t>https://firebase.google.com/docs/auth/android/password-auth</a:t>
+            </a:r>
+            <a:endParaRPr lang="en-US" dirty="0"/>
+          </a:p>
+        </p:txBody>
+      </p:sp>
+      <p:pic>
+        <p:nvPicPr>
+          <p:cNvPr id="6" name="Picture 5">
+            <a:extLst>
+              <a:ext uri="{FF2B5EF4-FFF2-40B4-BE49-F238E27FC236}">
+                <a16:creationId xmlns:a16="http://schemas.microsoft.com/office/drawing/2014/main" id="{B17B3537-4242-7344-BCAE-E61DA29442E0}"/>
+              </a:ext>
+            </a:extLst>
+          </p:cNvPr>
+          <p:cNvPicPr>
+            <a:picLocks noChangeAspect="1"/>
+          </p:cNvPicPr>
+          <p:nvPr/>
+        </p:nvPicPr>
+        <p:blipFill>
+          <a:blip r:embed="rId3"/>
+          <a:stretch>
+            <a:fillRect/>
+          </a:stretch>
+        </p:blipFill>
+        <p:spPr>
+          <a:xfrm>
+            <a:off x="2725268" y="1414241"/>
+            <a:ext cx="6416896" cy="4097085"/>
+          </a:xfrm>
+          <a:prstGeom prst="rect">
+            <a:avLst/>
+          </a:prstGeom>
+        </p:spPr>
+      </p:pic>
+    </p:spTree>
+    <p:extLst>
+      <p:ext uri="{BB962C8B-B14F-4D97-AF65-F5344CB8AC3E}">
+        <p14:creationId xmlns:p14="http://schemas.microsoft.com/office/powerpoint/2010/main" val="3883156436"/>
+      </p:ext>
+    </p:extLst>
+  </p:cSld>
+  <p:clrMapOvr>
+    <a:masterClrMapping/>
+  </p:clrMapOvr>
+</p:sld>
+</file>
+
+<file path=ppt/slides/slide11.xml><?xml version="1.0" encoding="utf-8"?>
+<p:sld xmlns:a="http://schemas.openxmlformats.org/drawingml/2006/main" xmlns:r="http://schemas.openxmlformats.org/officeDocument/2006/relationships" xmlns:p="http://schemas.openxmlformats.org/presentationml/2006/main">
+  <p:cSld>
+    <p:spTree>
+      <p:nvGrpSpPr>
+        <p:cNvPr id="1" name=""/>
+        <p:cNvGrpSpPr/>
+        <p:nvPr/>
+      </p:nvGrpSpPr>
+      <p:grpSpPr>
+        <a:xfrm>
+          <a:off x="0" y="0"/>
+          <a:ext cx="0" cy="0"/>
+          <a:chOff x="0" y="0"/>
+          <a:chExt cx="0" cy="0"/>
+        </a:xfrm>
+      </p:grpSpPr>
+      <p:sp>
+        <p:nvSpPr>
+          <p:cNvPr id="2" name="Title 1">
+            <a:extLst>
+              <a:ext uri="{FF2B5EF4-FFF2-40B4-BE49-F238E27FC236}">
+                <a16:creationId xmlns:a16="http://schemas.microsoft.com/office/drawing/2014/main" id="{25355B92-484C-6D4B-BB79-497DAC5E6B16}"/>
+              </a:ext>
+            </a:extLst>
+          </p:cNvPr>
+          <p:cNvSpPr>
+            <a:spLocks noGrp="1"/>
+          </p:cNvSpPr>
+          <p:nvPr>
+            <p:ph type="title"/>
+          </p:nvPr>
+        </p:nvSpPr>
+        <p:spPr/>
+        <p:txBody>
+          <a:bodyPr/>
+          <a:lstStyle/>
+          <a:p>
+            <a:r>
+              <a:rPr lang="en-US" dirty="0"/>
+              <a:t>Realtime Database </a:t>
+            </a:r>
+          </a:p>
+        </p:txBody>
+      </p:sp>
+      <p:pic>
+        <p:nvPicPr>
+          <p:cNvPr id="13" name="Picture 12">
+            <a:extLst>
+              <a:ext uri="{FF2B5EF4-FFF2-40B4-BE49-F238E27FC236}">
+                <a16:creationId xmlns:a16="http://schemas.microsoft.com/office/drawing/2014/main" id="{10A14AC8-349B-DB42-8351-0AC905FA26E3}"/>
+              </a:ext>
+            </a:extLst>
+          </p:cNvPr>
+          <p:cNvPicPr>
+            <a:picLocks noChangeAspect="1"/>
+          </p:cNvPicPr>
+          <p:nvPr/>
+        </p:nvPicPr>
+        <p:blipFill>
+          <a:blip r:embed="rId2"/>
+          <a:stretch>
+            <a:fillRect/>
+          </a:stretch>
+        </p:blipFill>
+        <p:spPr>
+          <a:xfrm>
+            <a:off x="749149" y="1403563"/>
+            <a:ext cx="7549844" cy="4856314"/>
+          </a:xfrm>
+          <a:prstGeom prst="rect">
+            <a:avLst/>
+          </a:prstGeom>
+        </p:spPr>
+      </p:pic>
+      <p:sp>
+        <p:nvSpPr>
+          <p:cNvPr id="14" name="Rectangle 13">
+            <a:extLst>
+              <a:ext uri="{FF2B5EF4-FFF2-40B4-BE49-F238E27FC236}">
+                <a16:creationId xmlns:a16="http://schemas.microsoft.com/office/drawing/2014/main" id="{F877270F-7392-B64B-93E0-94D0AE072687}"/>
+              </a:ext>
+            </a:extLst>
+          </p:cNvPr>
+          <p:cNvSpPr/>
+          <p:nvPr/>
+        </p:nvSpPr>
+        <p:spPr>
+          <a:xfrm>
+            <a:off x="2126255" y="4274546"/>
+            <a:ext cx="1355075" cy="462708"/>
+          </a:xfrm>
+          <a:prstGeom prst="rect">
+            <a:avLst/>
+          </a:prstGeom>
+          <a:noFill/>
+        </p:spPr>
+        <p:style>
+          <a:lnRef idx="2">
+            <a:schemeClr val="accent6"/>
+          </a:lnRef>
+          <a:fillRef idx="1">
+            <a:schemeClr val="lt1"/>
+          </a:fillRef>
+          <a:effectRef idx="0">
+            <a:schemeClr val="accent6"/>
+          </a:effectRef>
+          <a:fontRef idx="minor">
+            <a:schemeClr val="dk1"/>
+          </a:fontRef>
+        </p:style>
+        <p:txBody>
+          <a:bodyPr rtlCol="0" anchor="ctr"/>
+          <a:lstStyle/>
+          <a:p>
+            <a:pPr algn="ctr"/>
+            <a:endParaRPr lang="en-US"/>
+          </a:p>
+        </p:txBody>
+      </p:sp>
+      <p:sp>
+        <p:nvSpPr>
+          <p:cNvPr id="15" name="TextBox 14">
+            <a:extLst>
+              <a:ext uri="{FF2B5EF4-FFF2-40B4-BE49-F238E27FC236}">
+                <a16:creationId xmlns:a16="http://schemas.microsoft.com/office/drawing/2014/main" id="{21A0AFDF-438C-DD44-9F1E-497BE20AA261}"/>
+              </a:ext>
+            </a:extLst>
+          </p:cNvPr>
+          <p:cNvSpPr txBox="1"/>
+          <p:nvPr/>
+        </p:nvSpPr>
+        <p:spPr>
+          <a:xfrm>
+            <a:off x="681300" y="6367749"/>
+            <a:ext cx="5600059" cy="369332"/>
+          </a:xfrm>
+          <a:prstGeom prst="rect">
+            <a:avLst/>
+          </a:prstGeom>
+          <a:noFill/>
+        </p:spPr>
+        <p:txBody>
+          <a:bodyPr wrap="none" rtlCol="0">
+            <a:spAutoFit/>
+          </a:bodyPr>
+          <a:lstStyle/>
+          <a:p>
+            <a:r>
+              <a:rPr lang="en-ID" dirty="0">
+                <a:hlinkClick r:id="rId3"/>
+              </a:rPr>
+              <a:t>https://firebase.google.com/docs/database/android/start</a:t>
+            </a:r>
+            <a:endParaRPr lang="en-US" dirty="0"/>
+          </a:p>
+        </p:txBody>
+      </p:sp>
+    </p:spTree>
+    <p:extLst>
+      <p:ext uri="{BB962C8B-B14F-4D97-AF65-F5344CB8AC3E}">
+        <p14:creationId xmlns:p14="http://schemas.microsoft.com/office/powerpoint/2010/main" val="3460953627"/>
+      </p:ext>
+    </p:extLst>
+  </p:cSld>
+  <p:clrMapOvr>
+    <a:masterClrMapping/>
+  </p:clrMapOvr>
+</p:sld>
+</file>
+
+<file path=ppt/slides/slide12.xml><?xml version="1.0" encoding="utf-8"?>
+<p:sld xmlns:a="http://schemas.openxmlformats.org/drawingml/2006/main" xmlns:r="http://schemas.openxmlformats.org/officeDocument/2006/relationships" xmlns:p="http://schemas.openxmlformats.org/presentationml/2006/main">
+  <p:cSld>
+    <p:spTree>
+      <p:nvGrpSpPr>
+        <p:cNvPr id="1" name=""/>
+        <p:cNvGrpSpPr/>
+        <p:nvPr/>
+      </p:nvGrpSpPr>
+      <p:grpSpPr>
+        <a:xfrm>
+          <a:off x="0" y="0"/>
+          <a:ext cx="0" cy="0"/>
+          <a:chOff x="0" y="0"/>
+          <a:chExt cx="0" cy="0"/>
+        </a:xfrm>
+      </p:grpSpPr>
+      <p:sp>
+        <p:nvSpPr>
+          <p:cNvPr id="2" name="Title 1">
+            <a:extLst>
+              <a:ext uri="{FF2B5EF4-FFF2-40B4-BE49-F238E27FC236}">
+                <a16:creationId xmlns:a16="http://schemas.microsoft.com/office/drawing/2014/main" id="{F3922971-6935-B54F-AD02-3B0E669AD970}"/>
+              </a:ext>
+            </a:extLst>
+          </p:cNvPr>
+          <p:cNvSpPr>
+            <a:spLocks noGrp="1"/>
+          </p:cNvSpPr>
+          <p:nvPr>
+            <p:ph type="title"/>
+          </p:nvPr>
+        </p:nvSpPr>
+        <p:spPr/>
+        <p:txBody>
+          <a:bodyPr/>
+          <a:lstStyle/>
+          <a:p>
+            <a:r>
+              <a:rPr lang="en-US" dirty="0"/>
+              <a:t>Firebase Cloud Messaging</a:t>
+            </a:r>
+          </a:p>
+        </p:txBody>
+      </p:sp>
+      <p:sp>
+        <p:nvSpPr>
+          <p:cNvPr id="4" name="TextBox 3">
+            <a:extLst>
+              <a:ext uri="{FF2B5EF4-FFF2-40B4-BE49-F238E27FC236}">
+                <a16:creationId xmlns:a16="http://schemas.microsoft.com/office/drawing/2014/main" id="{C912EC38-ABA3-6545-B1C3-55B9AAB03186}"/>
+              </a:ext>
+            </a:extLst>
+          </p:cNvPr>
+          <p:cNvSpPr txBox="1"/>
+          <p:nvPr/>
+        </p:nvSpPr>
+        <p:spPr>
+          <a:xfrm>
+            <a:off x="838200" y="5629620"/>
+            <a:ext cx="6407652" cy="369332"/>
+          </a:xfrm>
+          <a:prstGeom prst="rect">
+            <a:avLst/>
+          </a:prstGeom>
+          <a:noFill/>
+        </p:spPr>
+        <p:txBody>
+          <a:bodyPr wrap="none" rtlCol="0">
+            <a:spAutoFit/>
+          </a:bodyPr>
+          <a:lstStyle/>
+          <a:p>
+            <a:r>
+              <a:rPr lang="en-ID" dirty="0">
+                <a:hlinkClick r:id="rId2"/>
+              </a:rPr>
+              <a:t>https://firebase.google.com/docs/cloud-messaging/android/client</a:t>
+            </a:r>
+            <a:endParaRPr lang="en-US" dirty="0"/>
+          </a:p>
+        </p:txBody>
+      </p:sp>
+      <p:pic>
+        <p:nvPicPr>
+          <p:cNvPr id="6" name="Picture 5">
+            <a:extLst>
+              <a:ext uri="{FF2B5EF4-FFF2-40B4-BE49-F238E27FC236}">
+                <a16:creationId xmlns:a16="http://schemas.microsoft.com/office/drawing/2014/main" id="{DBA09758-8D14-544A-8AC9-6F888DDCBC69}"/>
+              </a:ext>
+            </a:extLst>
+          </p:cNvPr>
+          <p:cNvPicPr>
+            <a:picLocks noChangeAspect="1"/>
+          </p:cNvPicPr>
+          <p:nvPr/>
+        </p:nvPicPr>
+        <p:blipFill>
+          <a:blip r:embed="rId3"/>
+          <a:stretch>
+            <a:fillRect/>
+          </a:stretch>
+        </p:blipFill>
+        <p:spPr>
+          <a:xfrm>
+            <a:off x="838200" y="1307972"/>
+            <a:ext cx="6891263" cy="4123344"/>
+          </a:xfrm>
+          <a:prstGeom prst="rect">
+            <a:avLst/>
+          </a:prstGeom>
+        </p:spPr>
+      </p:pic>
+    </p:spTree>
+    <p:extLst>
+      <p:ext uri="{BB962C8B-B14F-4D97-AF65-F5344CB8AC3E}">
+        <p14:creationId xmlns:p14="http://schemas.microsoft.com/office/powerpoint/2010/main" val="3231311793"/>
+      </p:ext>
+    </p:extLst>
+  </p:cSld>
+  <p:clrMapOvr>
+    <a:masterClrMapping/>
+  </p:clrMapOvr>
+</p:sld>
+</file>
+
+<file path=ppt/slides/slide13.xml><?xml version="1.0" encoding="utf-8"?>
+<p:sld xmlns:a="http://schemas.openxmlformats.org/drawingml/2006/main" xmlns:r="http://schemas.openxmlformats.org/officeDocument/2006/relationships" xmlns:p="http://schemas.openxmlformats.org/presentationml/2006/main">
+  <p:cSld>
+    <p:spTree>
+      <p:nvGrpSpPr>
+        <p:cNvPr id="1" name=""/>
+        <p:cNvGrpSpPr/>
+        <p:nvPr/>
+      </p:nvGrpSpPr>
+      <p:grpSpPr>
+        <a:xfrm>
+          <a:off x="0" y="0"/>
+          <a:ext cx="0" cy="0"/>
+          <a:chOff x="0" y="0"/>
+          <a:chExt cx="0" cy="0"/>
+        </a:xfrm>
+      </p:grpSpPr>
+      <p:sp>
+        <p:nvSpPr>
+          <p:cNvPr id="2" name="Title 1">
+            <a:extLst>
+              <a:ext uri="{FF2B5EF4-FFF2-40B4-BE49-F238E27FC236}">
                 <a16:creationId xmlns:a16="http://schemas.microsoft.com/office/drawing/2014/main" id="{F3922971-6935-B54F-AD02-3B0E669AD970}"/>
               </a:ext>
             </a:extLst>
@@ -3610,7 +4035,7 @@
 </p:sld>
 </file>
 
-<file path=ppt/slides/slide11.xml><?xml version="1.0" encoding="utf-8"?>
+<file path=ppt/slides/slide14.xml><?xml version="1.0" encoding="utf-8"?>
 <p:sld xmlns:a="http://schemas.openxmlformats.org/drawingml/2006/main" xmlns:r="http://schemas.openxmlformats.org/officeDocument/2006/relationships" xmlns:p="http://schemas.openxmlformats.org/presentationml/2006/main">
   <p:cSld>
     <p:spTree>
@@ -4684,7 +5109,7 @@
         </p:blipFill>
         <p:spPr>
           <a:xfrm>
-            <a:off x="838199" y="1549629"/>
+            <a:off x="802517" y="1549628"/>
             <a:ext cx="3256469" cy="4654627"/>
           </a:xfrm>
           <a:prstGeom prst="rect">
@@ -4738,6 +5163,52 @@
           <a:xfrm>
             <a:off x="8879596" y="1288973"/>
             <a:ext cx="3073706" cy="3977090"/>
+          </a:xfrm>
+          <a:prstGeom prst="rect">
+            <a:avLst/>
+          </a:prstGeom>
+          <a:noFill/>
+          <a:ln w="34925"/>
+        </p:spPr>
+        <p:style>
+          <a:lnRef idx="2">
+            <a:schemeClr val="accent6"/>
+          </a:lnRef>
+          <a:fillRef idx="1">
+            <a:schemeClr val="lt1"/>
+          </a:fillRef>
+          <a:effectRef idx="0">
+            <a:schemeClr val="accent6"/>
+          </a:effectRef>
+          <a:fontRef idx="minor">
+            <a:schemeClr val="dk1"/>
+          </a:fontRef>
+        </p:style>
+        <p:txBody>
+          <a:bodyPr rtlCol="0" anchor="ctr"/>
+          <a:lstStyle/>
+          <a:p>
+            <a:pPr algn="ctr"/>
+            <a:endParaRPr lang="en-US"/>
+          </a:p>
+        </p:txBody>
+      </p:sp>
+      <p:sp>
+        <p:nvSpPr>
+          <p:cNvPr id="8" name="Rectangle 7">
+            <a:extLst>
+              <a:ext uri="{FF2B5EF4-FFF2-40B4-BE49-F238E27FC236}">
+                <a16:creationId xmlns:a16="http://schemas.microsoft.com/office/drawing/2014/main" id="{1493F988-F9C1-184D-9B85-49A3E7110DBC}"/>
+              </a:ext>
+            </a:extLst>
+          </p:cNvPr>
+          <p:cNvSpPr/>
+          <p:nvPr/>
+        </p:nvSpPr>
+        <p:spPr>
+          <a:xfrm>
+            <a:off x="477993" y="3876941"/>
+            <a:ext cx="3641711" cy="503673"/>
           </a:xfrm>
           <a:prstGeom prst="rect">
             <a:avLst/>
@@ -4852,52 +5323,14 @@
         </p:blipFill>
         <p:spPr>
           <a:xfrm>
-            <a:off x="838200" y="1862004"/>
-            <a:ext cx="5041900" cy="1701800"/>
+            <a:off x="838200" y="1862003"/>
+            <a:ext cx="8509000" cy="2872055"/>
           </a:xfrm>
           <a:prstGeom prst="rect">
             <a:avLst/>
           </a:prstGeom>
         </p:spPr>
       </p:pic>
-      <p:sp>
-        <p:nvSpPr>
-          <p:cNvPr id="10" name="TextBox 9">
-            <a:extLst>
-              <a:ext uri="{FF2B5EF4-FFF2-40B4-BE49-F238E27FC236}">
-                <a16:creationId xmlns:a16="http://schemas.microsoft.com/office/drawing/2014/main" id="{CA70C246-C5D4-8A48-AFB2-45CD610772A3}"/>
-              </a:ext>
-            </a:extLst>
-          </p:cNvPr>
-          <p:cNvSpPr txBox="1"/>
-          <p:nvPr/>
-        </p:nvSpPr>
-        <p:spPr>
-          <a:xfrm>
-            <a:off x="838200" y="3735120"/>
-            <a:ext cx="6146041" cy="369332"/>
-          </a:xfrm>
-          <a:prstGeom prst="rect">
-            <a:avLst/>
-          </a:prstGeom>
-          <a:noFill/>
-        </p:spPr>
-        <p:txBody>
-          <a:bodyPr wrap="none" rtlCol="0">
-            <a:spAutoFit/>
-          </a:bodyPr>
-          <a:lstStyle/>
-          <a:p>
-            <a:r>
-              <a:rPr lang="en-ID" dirty="0">
-                <a:hlinkClick r:id="rId3"/>
-              </a:rPr>
-              <a:t>https://firebase.google.com/docs/auth/android/password-auth</a:t>
-            </a:r>
-            <a:endParaRPr lang="en-US" dirty="0"/>
-          </a:p>
-        </p:txBody>
-      </p:sp>
     </p:spTree>
     <p:extLst>
       <p:ext uri="{BB962C8B-B14F-4D97-AF65-F5344CB8AC3E}">
@@ -4933,7 +5366,7 @@
           <p:cNvPr id="2" name="Title 1">
             <a:extLst>
               <a:ext uri="{FF2B5EF4-FFF2-40B4-BE49-F238E27FC236}">
-                <a16:creationId xmlns:a16="http://schemas.microsoft.com/office/drawing/2014/main" id="{25355B92-484C-6D4B-BB79-497DAC5E6B16}"/>
+                <a16:creationId xmlns:a16="http://schemas.microsoft.com/office/drawing/2014/main" id="{33CC251B-8F50-C34C-9D01-97041D9401BE}"/>
               </a:ext>
             </a:extLst>
           </p:cNvPr>
@@ -4951,17 +5384,17 @@
           <a:p>
             <a:r>
               <a:rPr lang="en-US" dirty="0"/>
-              <a:t>Realtime Database </a:t>
+              <a:t>Register Setup</a:t>
             </a:r>
           </a:p>
         </p:txBody>
       </p:sp>
       <p:pic>
         <p:nvPicPr>
-          <p:cNvPr id="13" name="Picture 12">
-            <a:extLst>
-              <a:ext uri="{FF2B5EF4-FFF2-40B4-BE49-F238E27FC236}">
-                <a16:creationId xmlns:a16="http://schemas.microsoft.com/office/drawing/2014/main" id="{10A14AC8-349B-DB42-8351-0AC905FA26E3}"/>
+          <p:cNvPr id="9" name="Picture 8">
+            <a:extLst>
+              <a:ext uri="{FF2B5EF4-FFF2-40B4-BE49-F238E27FC236}">
+                <a16:creationId xmlns:a16="http://schemas.microsoft.com/office/drawing/2014/main" id="{1A52895E-B28D-C54F-83D4-8C46368642D1}"/>
               </a:ext>
             </a:extLst>
           </p:cNvPr>
@@ -4978,101 +5411,212 @@
         </p:blipFill>
         <p:spPr>
           <a:xfrm>
-            <a:off x="749149" y="1403563"/>
-            <a:ext cx="7549844" cy="4856314"/>
+            <a:off x="639253" y="1690687"/>
+            <a:ext cx="2050073" cy="4283392"/>
           </a:xfrm>
           <a:prstGeom prst="rect">
             <a:avLst/>
           </a:prstGeom>
         </p:spPr>
       </p:pic>
-      <p:sp>
-        <p:nvSpPr>
-          <p:cNvPr id="14" name="Rectangle 13">
-            <a:extLst>
-              <a:ext uri="{FF2B5EF4-FFF2-40B4-BE49-F238E27FC236}">
-                <a16:creationId xmlns:a16="http://schemas.microsoft.com/office/drawing/2014/main" id="{F877270F-7392-B64B-93E0-94D0AE072687}"/>
-              </a:ext>
-            </a:extLst>
-          </p:cNvPr>
-          <p:cNvSpPr/>
+      <p:pic>
+        <p:nvPicPr>
+          <p:cNvPr id="11" name="Picture 10">
+            <a:extLst>
+              <a:ext uri="{FF2B5EF4-FFF2-40B4-BE49-F238E27FC236}">
+                <a16:creationId xmlns:a16="http://schemas.microsoft.com/office/drawing/2014/main" id="{37BFCCA5-79BF-004C-83F7-88F9BA2D971E}"/>
+              </a:ext>
+            </a:extLst>
+          </p:cNvPr>
+          <p:cNvPicPr>
+            <a:picLocks noChangeAspect="1"/>
+          </p:cNvPicPr>
           <p:nvPr/>
-        </p:nvSpPr>
-        <p:spPr>
-          <a:xfrm>
-            <a:off x="2126255" y="4274546"/>
-            <a:ext cx="1355075" cy="462708"/>
+        </p:nvPicPr>
+        <p:blipFill>
+          <a:blip r:embed="rId3"/>
+          <a:stretch>
+            <a:fillRect/>
+          </a:stretch>
+        </p:blipFill>
+        <p:spPr>
+          <a:xfrm>
+            <a:off x="3289889" y="2448083"/>
+            <a:ext cx="3327400" cy="2768600"/>
+          </a:xfrm>
+          <a:prstGeom prst="rect">
+            <a:avLst/>
+          </a:prstGeom>
+        </p:spPr>
+      </p:pic>
+      <p:cxnSp>
+        <p:nvCxnSpPr>
+          <p:cNvPr id="13" name="Straight Arrow Connector 12">
+            <a:extLst>
+              <a:ext uri="{FF2B5EF4-FFF2-40B4-BE49-F238E27FC236}">
+                <a16:creationId xmlns:a16="http://schemas.microsoft.com/office/drawing/2014/main" id="{5D19065A-67E6-E54C-BC31-AFD07D2DCF84}"/>
+              </a:ext>
+            </a:extLst>
+          </p:cNvPr>
+          <p:cNvCxnSpPr>
+            <a:stCxn id="11" idx="1"/>
+            <a:endCxn id="9" idx="3"/>
+          </p:cNvCxnSpPr>
+          <p:nvPr/>
+        </p:nvCxnSpPr>
+        <p:spPr>
+          <a:xfrm flipH="1">
+            <a:off x="2689326" y="3832383"/>
+            <a:ext cx="600563" cy="0"/>
+          </a:xfrm>
+          <a:prstGeom prst="straightConnector1">
+            <a:avLst/>
+          </a:prstGeom>
+          <a:ln w="9525" cap="flat" cmpd="sng" algn="ctr">
+            <a:solidFill>
+              <a:schemeClr val="accent1"/>
+            </a:solidFill>
+            <a:prstDash val="solid"/>
+            <a:round/>
+            <a:headEnd type="arrow" w="med" len="med"/>
+            <a:tailEnd type="arrow" w="med" len="med"/>
+          </a:ln>
+        </p:spPr>
+        <p:style>
+          <a:lnRef idx="0">
+            <a:scrgbClr r="0" g="0" b="0"/>
+          </a:lnRef>
+          <a:fillRef idx="0">
+            <a:scrgbClr r="0" g="0" b="0"/>
+          </a:fillRef>
+          <a:effectRef idx="0">
+            <a:scrgbClr r="0" g="0" b="0"/>
+          </a:effectRef>
+          <a:fontRef idx="minor">
+            <a:schemeClr val="tx1"/>
+          </a:fontRef>
+        </p:style>
+      </p:cxnSp>
+      <p:pic>
+        <p:nvPicPr>
+          <p:cNvPr id="18" name="Picture 17">
+            <a:extLst>
+              <a:ext uri="{FF2B5EF4-FFF2-40B4-BE49-F238E27FC236}">
+                <a16:creationId xmlns:a16="http://schemas.microsoft.com/office/drawing/2014/main" id="{7FFE27BD-3E20-C34F-85F2-2F9A60D06A51}"/>
+              </a:ext>
+            </a:extLst>
+          </p:cNvPr>
+          <p:cNvPicPr>
+            <a:picLocks noChangeAspect="1"/>
+          </p:cNvPicPr>
+          <p:nvPr/>
+        </p:nvPicPr>
+        <p:blipFill>
+          <a:blip r:embed="rId4"/>
+          <a:stretch>
+            <a:fillRect/>
+          </a:stretch>
+        </p:blipFill>
+        <p:spPr>
+          <a:xfrm>
+            <a:off x="7194976" y="1687295"/>
+            <a:ext cx="4397880" cy="4290177"/>
+          </a:xfrm>
+          <a:prstGeom prst="rect">
+            <a:avLst/>
+          </a:prstGeom>
+        </p:spPr>
+      </p:pic>
+      <p:cxnSp>
+        <p:nvCxnSpPr>
+          <p:cNvPr id="21" name="Straight Arrow Connector 20">
+            <a:extLst>
+              <a:ext uri="{FF2B5EF4-FFF2-40B4-BE49-F238E27FC236}">
+                <a16:creationId xmlns:a16="http://schemas.microsoft.com/office/drawing/2014/main" id="{E3F00A49-7B37-AE42-9C37-39110BF6145E}"/>
+              </a:ext>
+            </a:extLst>
+          </p:cNvPr>
+          <p:cNvCxnSpPr>
+            <a:stCxn id="11" idx="3"/>
+            <a:endCxn id="18" idx="1"/>
+          </p:cNvCxnSpPr>
+          <p:nvPr/>
+        </p:nvCxnSpPr>
+        <p:spPr>
+          <a:xfrm>
+            <a:off x="6617289" y="3832383"/>
+            <a:ext cx="577687" cy="1"/>
+          </a:xfrm>
+          <a:prstGeom prst="straightConnector1">
+            <a:avLst/>
+          </a:prstGeom>
+          <a:ln w="9525" cap="flat" cmpd="sng" algn="ctr">
+            <a:solidFill>
+              <a:schemeClr val="accent1"/>
+            </a:solidFill>
+            <a:prstDash val="solid"/>
+            <a:round/>
+            <a:headEnd type="arrow" w="med" len="med"/>
+            <a:tailEnd type="arrow" w="med" len="med"/>
+          </a:ln>
+        </p:spPr>
+        <p:style>
+          <a:lnRef idx="0">
+            <a:scrgbClr r="0" g="0" b="0"/>
+          </a:lnRef>
+          <a:fillRef idx="0">
+            <a:scrgbClr r="0" g="0" b="0"/>
+          </a:fillRef>
+          <a:effectRef idx="0">
+            <a:scrgbClr r="0" g="0" b="0"/>
+          </a:effectRef>
+          <a:fontRef idx="minor">
+            <a:schemeClr val="tx1"/>
+          </a:fontRef>
+        </p:style>
+      </p:cxnSp>
+      <p:sp>
+        <p:nvSpPr>
+          <p:cNvPr id="22" name="TextBox 21">
+            <a:extLst>
+              <a:ext uri="{FF2B5EF4-FFF2-40B4-BE49-F238E27FC236}">
+                <a16:creationId xmlns:a16="http://schemas.microsoft.com/office/drawing/2014/main" id="{00A48BA9-252B-CD4C-8532-BDF42D6F6CDF}"/>
+              </a:ext>
+            </a:extLst>
+          </p:cNvPr>
+          <p:cNvSpPr txBox="1"/>
+          <p:nvPr/>
+        </p:nvSpPr>
+        <p:spPr>
+          <a:xfrm>
+            <a:off x="1736161" y="6149031"/>
+            <a:ext cx="10917629" cy="276999"/>
           </a:xfrm>
           <a:prstGeom prst="rect">
             <a:avLst/>
           </a:prstGeom>
           <a:noFill/>
         </p:spPr>
-        <p:style>
-          <a:lnRef idx="2">
-            <a:schemeClr val="accent6"/>
-          </a:lnRef>
-          <a:fillRef idx="1">
-            <a:schemeClr val="lt1"/>
-          </a:fillRef>
-          <a:effectRef idx="0">
-            <a:schemeClr val="accent6"/>
-          </a:effectRef>
-          <a:fontRef idx="minor">
-            <a:schemeClr val="dk1"/>
-          </a:fontRef>
-        </p:style>
-        <p:txBody>
-          <a:bodyPr rtlCol="0" anchor="ctr"/>
-          <a:lstStyle/>
-          <a:p>
-            <a:pPr algn="ctr"/>
-            <a:endParaRPr lang="en-US"/>
-          </a:p>
-        </p:txBody>
-      </p:sp>
-      <p:sp>
-        <p:nvSpPr>
-          <p:cNvPr id="15" name="TextBox 14">
-            <a:extLst>
-              <a:ext uri="{FF2B5EF4-FFF2-40B4-BE49-F238E27FC236}">
-                <a16:creationId xmlns:a16="http://schemas.microsoft.com/office/drawing/2014/main" id="{21A0AFDF-438C-DD44-9F1E-497BE20AA261}"/>
-              </a:ext>
-            </a:extLst>
-          </p:cNvPr>
-          <p:cNvSpPr txBox="1"/>
-          <p:nvPr/>
-        </p:nvSpPr>
-        <p:spPr>
-          <a:xfrm>
-            <a:off x="681300" y="6367749"/>
-            <a:ext cx="5600059" cy="369332"/>
-          </a:xfrm>
-          <a:prstGeom prst="rect">
-            <a:avLst/>
-          </a:prstGeom>
-          <a:noFill/>
-        </p:spPr>
-        <p:txBody>
-          <a:bodyPr wrap="none" rtlCol="0">
+        <p:txBody>
+          <a:bodyPr wrap="square" rtlCol="0">
             <a:spAutoFit/>
           </a:bodyPr>
           <a:lstStyle/>
           <a:p>
             <a:r>
-              <a:rPr lang="en-ID" dirty="0">
-                <a:hlinkClick r:id="rId3"/>
+              <a:rPr lang="en-ID" sz="1200" dirty="0">
+                <a:hlinkClick r:id="rId5"/>
               </a:rPr>
-              <a:t>https://firebase.google.com/docs/database/android/start</a:t>
-            </a:r>
-            <a:endParaRPr lang="en-US" dirty="0"/>
+              <a:t>https://github.com/fauzisho/Android-Firebase-Module/blob/master/Firebase/app/src/main/res/layout/activity_register_email.xml</a:t>
+            </a:r>
+            <a:endParaRPr lang="en-US" sz="1200" dirty="0"/>
           </a:p>
         </p:txBody>
       </p:sp>
     </p:spTree>
     <p:extLst>
       <p:ext uri="{BB962C8B-B14F-4D97-AF65-F5344CB8AC3E}">
-        <p14:creationId xmlns:p14="http://schemas.microsoft.com/office/powerpoint/2010/main" val="3460953627"/>
+        <p14:creationId xmlns:p14="http://schemas.microsoft.com/office/powerpoint/2010/main" val="2394071028"/>
       </p:ext>
     </p:extLst>
   </p:cSld>
@@ -5104,7 +5648,7 @@
           <p:cNvPr id="2" name="Title 1">
             <a:extLst>
               <a:ext uri="{FF2B5EF4-FFF2-40B4-BE49-F238E27FC236}">
-                <a16:creationId xmlns:a16="http://schemas.microsoft.com/office/drawing/2014/main" id="{F3922971-6935-B54F-AD02-3B0E669AD970}"/>
+                <a16:creationId xmlns:a16="http://schemas.microsoft.com/office/drawing/2014/main" id="{33CC251B-8F50-C34C-9D01-97041D9401BE}"/>
               </a:ext>
             </a:extLst>
           </p:cNvPr>
@@ -5122,55 +5666,17 @@
           <a:p>
             <a:r>
               <a:rPr lang="en-US" dirty="0"/>
-              <a:t>Firebase Cloud Messaging</a:t>
-            </a:r>
-          </a:p>
-        </p:txBody>
-      </p:sp>
-      <p:sp>
-        <p:nvSpPr>
-          <p:cNvPr id="4" name="TextBox 3">
-            <a:extLst>
-              <a:ext uri="{FF2B5EF4-FFF2-40B4-BE49-F238E27FC236}">
-                <a16:creationId xmlns:a16="http://schemas.microsoft.com/office/drawing/2014/main" id="{C912EC38-ABA3-6545-B1C3-55B9AAB03186}"/>
-              </a:ext>
-            </a:extLst>
-          </p:cNvPr>
-          <p:cNvSpPr txBox="1"/>
-          <p:nvPr/>
-        </p:nvSpPr>
-        <p:spPr>
-          <a:xfrm>
-            <a:off x="838200" y="5629620"/>
-            <a:ext cx="6407652" cy="369332"/>
-          </a:xfrm>
-          <a:prstGeom prst="rect">
-            <a:avLst/>
-          </a:prstGeom>
-          <a:noFill/>
-        </p:spPr>
-        <p:txBody>
-          <a:bodyPr wrap="none" rtlCol="0">
-            <a:spAutoFit/>
-          </a:bodyPr>
-          <a:lstStyle/>
-          <a:p>
-            <a:r>
-              <a:rPr lang="en-ID" dirty="0">
-                <a:hlinkClick r:id="rId2"/>
-              </a:rPr>
-              <a:t>https://firebase.google.com/docs/cloud-messaging/android/client</a:t>
-            </a:r>
-            <a:endParaRPr lang="en-US" dirty="0"/>
+              <a:t>Register Setup</a:t>
+            </a:r>
           </a:p>
         </p:txBody>
       </p:sp>
       <p:pic>
         <p:nvPicPr>
-          <p:cNvPr id="6" name="Picture 5">
-            <a:extLst>
-              <a:ext uri="{FF2B5EF4-FFF2-40B4-BE49-F238E27FC236}">
-                <a16:creationId xmlns:a16="http://schemas.microsoft.com/office/drawing/2014/main" id="{DBA09758-8D14-544A-8AC9-6F888DDCBC69}"/>
+          <p:cNvPr id="18" name="Picture 17">
+            <a:extLst>
+              <a:ext uri="{FF2B5EF4-FFF2-40B4-BE49-F238E27FC236}">
+                <a16:creationId xmlns:a16="http://schemas.microsoft.com/office/drawing/2014/main" id="{7FFE27BD-3E20-C34F-85F2-2F9A60D06A51}"/>
               </a:ext>
             </a:extLst>
           </p:cNvPr>
@@ -5180,25 +5686,218 @@
           <p:nvPr/>
         </p:nvPicPr>
         <p:blipFill>
-          <a:blip r:embed="rId3"/>
+          <a:blip r:embed="rId2"/>
           <a:stretch>
             <a:fillRect/>
           </a:stretch>
         </p:blipFill>
         <p:spPr>
           <a:xfrm>
-            <a:off x="838200" y="1307972"/>
-            <a:ext cx="6891263" cy="4123344"/>
+            <a:off x="166226" y="2119291"/>
+            <a:ext cx="3139870" cy="3062975"/>
           </a:xfrm>
           <a:prstGeom prst="rect">
             <a:avLst/>
           </a:prstGeom>
         </p:spPr>
       </p:pic>
+      <p:sp>
+        <p:nvSpPr>
+          <p:cNvPr id="22" name="TextBox 21">
+            <a:extLst>
+              <a:ext uri="{FF2B5EF4-FFF2-40B4-BE49-F238E27FC236}">
+                <a16:creationId xmlns:a16="http://schemas.microsoft.com/office/drawing/2014/main" id="{00A48BA9-252B-CD4C-8532-BDF42D6F6CDF}"/>
+              </a:ext>
+            </a:extLst>
+          </p:cNvPr>
+          <p:cNvSpPr txBox="1"/>
+          <p:nvPr/>
+        </p:nvSpPr>
+        <p:spPr>
+          <a:xfrm>
+            <a:off x="1587305" y="5671008"/>
+            <a:ext cx="10917629" cy="276999"/>
+          </a:xfrm>
+          <a:prstGeom prst="rect">
+            <a:avLst/>
+          </a:prstGeom>
+          <a:noFill/>
+        </p:spPr>
+        <p:txBody>
+          <a:bodyPr wrap="square" rtlCol="0">
+            <a:spAutoFit/>
+          </a:bodyPr>
+          <a:lstStyle/>
+          <a:p>
+            <a:r>
+              <a:rPr lang="en-ID" sz="1200" dirty="0">
+                <a:hlinkClick r:id="rId3"/>
+              </a:rPr>
+              <a:t>https://github.com/fauzisho/Android-Firebase-Module/blob/master/Firebase/app/src/main/java/uzi/utm/hellofirebase/UI/LoginActivity.java</a:t>
+            </a:r>
+            <a:endParaRPr lang="en-US" sz="1200" dirty="0"/>
+          </a:p>
+        </p:txBody>
+      </p:sp>
+      <p:pic>
+        <p:nvPicPr>
+          <p:cNvPr id="4" name="Picture 3">
+            <a:extLst>
+              <a:ext uri="{FF2B5EF4-FFF2-40B4-BE49-F238E27FC236}">
+                <a16:creationId xmlns:a16="http://schemas.microsoft.com/office/drawing/2014/main" id="{E2407F5E-8296-4443-976C-3CBE43C565E8}"/>
+              </a:ext>
+            </a:extLst>
+          </p:cNvPr>
+          <p:cNvPicPr>
+            <a:picLocks noChangeAspect="1"/>
+          </p:cNvPicPr>
+          <p:nvPr/>
+        </p:nvPicPr>
+        <p:blipFill>
+          <a:blip r:embed="rId4"/>
+          <a:stretch>
+            <a:fillRect/>
+          </a:stretch>
+        </p:blipFill>
+        <p:spPr>
+          <a:xfrm>
+            <a:off x="7649551" y="2119290"/>
+            <a:ext cx="4383085" cy="3062975"/>
+          </a:xfrm>
+          <a:prstGeom prst="rect">
+            <a:avLst/>
+          </a:prstGeom>
+        </p:spPr>
+      </p:pic>
+      <p:pic>
+        <p:nvPicPr>
+          <p:cNvPr id="6" name="Picture 5">
+            <a:extLst>
+              <a:ext uri="{FF2B5EF4-FFF2-40B4-BE49-F238E27FC236}">
+                <a16:creationId xmlns:a16="http://schemas.microsoft.com/office/drawing/2014/main" id="{268F9BC8-3B82-A44B-A8B6-38A52ED2A250}"/>
+              </a:ext>
+            </a:extLst>
+          </p:cNvPr>
+          <p:cNvPicPr>
+            <a:picLocks noChangeAspect="1"/>
+          </p:cNvPicPr>
+          <p:nvPr/>
+        </p:nvPicPr>
+        <p:blipFill>
+          <a:blip r:embed="rId5"/>
+          <a:stretch>
+            <a:fillRect/>
+          </a:stretch>
+        </p:blipFill>
+        <p:spPr>
+          <a:xfrm>
+            <a:off x="3918375" y="2119290"/>
+            <a:ext cx="2937723" cy="3062975"/>
+          </a:xfrm>
+          <a:prstGeom prst="rect">
+            <a:avLst/>
+          </a:prstGeom>
+        </p:spPr>
+      </p:pic>
+      <p:cxnSp>
+        <p:nvCxnSpPr>
+          <p:cNvPr id="8" name="Straight Arrow Connector 7">
+            <a:extLst>
+              <a:ext uri="{FF2B5EF4-FFF2-40B4-BE49-F238E27FC236}">
+                <a16:creationId xmlns:a16="http://schemas.microsoft.com/office/drawing/2014/main" id="{F91FFEE1-C1A1-E548-AC85-8A017FD13C87}"/>
+              </a:ext>
+            </a:extLst>
+          </p:cNvPr>
+          <p:cNvCxnSpPr>
+            <a:stCxn id="18" idx="3"/>
+            <a:endCxn id="6" idx="1"/>
+          </p:cNvCxnSpPr>
+          <p:nvPr/>
+        </p:nvCxnSpPr>
+        <p:spPr>
+          <a:xfrm flipV="1">
+            <a:off x="3306096" y="3650778"/>
+            <a:ext cx="612279" cy="1"/>
+          </a:xfrm>
+          <a:prstGeom prst="straightConnector1">
+            <a:avLst/>
+          </a:prstGeom>
+          <a:ln w="9525" cap="flat" cmpd="sng" algn="ctr">
+            <a:solidFill>
+              <a:schemeClr val="accent1"/>
+            </a:solidFill>
+            <a:prstDash val="solid"/>
+            <a:round/>
+            <a:headEnd type="arrow" w="med" len="med"/>
+            <a:tailEnd type="arrow" w="med" len="med"/>
+          </a:ln>
+        </p:spPr>
+        <p:style>
+          <a:lnRef idx="0">
+            <a:scrgbClr r="0" g="0" b="0"/>
+          </a:lnRef>
+          <a:fillRef idx="0">
+            <a:scrgbClr r="0" g="0" b="0"/>
+          </a:fillRef>
+          <a:effectRef idx="0">
+            <a:scrgbClr r="0" g="0" b="0"/>
+          </a:effectRef>
+          <a:fontRef idx="minor">
+            <a:schemeClr val="tx1"/>
+          </a:fontRef>
+        </p:style>
+      </p:cxnSp>
+      <p:cxnSp>
+        <p:nvCxnSpPr>
+          <p:cNvPr id="12" name="Straight Arrow Connector 11">
+            <a:extLst>
+              <a:ext uri="{FF2B5EF4-FFF2-40B4-BE49-F238E27FC236}">
+                <a16:creationId xmlns:a16="http://schemas.microsoft.com/office/drawing/2014/main" id="{DB4735F7-046C-3745-B039-B1F7020308AE}"/>
+              </a:ext>
+            </a:extLst>
+          </p:cNvPr>
+          <p:cNvCxnSpPr>
+            <a:stCxn id="6" idx="3"/>
+          </p:cNvCxnSpPr>
+          <p:nvPr/>
+        </p:nvCxnSpPr>
+        <p:spPr>
+          <a:xfrm>
+            <a:off x="6856098" y="3650778"/>
+            <a:ext cx="793453" cy="0"/>
+          </a:xfrm>
+          <a:prstGeom prst="straightConnector1">
+            <a:avLst/>
+          </a:prstGeom>
+          <a:ln w="9525" cap="flat" cmpd="sng" algn="ctr">
+            <a:solidFill>
+              <a:schemeClr val="accent1"/>
+            </a:solidFill>
+            <a:prstDash val="solid"/>
+            <a:round/>
+            <a:headEnd type="arrow" w="med" len="med"/>
+            <a:tailEnd type="arrow" w="med" len="med"/>
+          </a:ln>
+        </p:spPr>
+        <p:style>
+          <a:lnRef idx="0">
+            <a:scrgbClr r="0" g="0" b="0"/>
+          </a:lnRef>
+          <a:fillRef idx="0">
+            <a:scrgbClr r="0" g="0" b="0"/>
+          </a:fillRef>
+          <a:effectRef idx="0">
+            <a:scrgbClr r="0" g="0" b="0"/>
+          </a:effectRef>
+          <a:fontRef idx="minor">
+            <a:schemeClr val="tx1"/>
+          </a:fontRef>
+        </p:style>
+      </p:cxnSp>
     </p:spTree>
     <p:extLst>
       <p:ext uri="{BB962C8B-B14F-4D97-AF65-F5344CB8AC3E}">
-        <p14:creationId xmlns:p14="http://schemas.microsoft.com/office/powerpoint/2010/main" val="3231311793"/>
+        <p14:creationId xmlns:p14="http://schemas.microsoft.com/office/powerpoint/2010/main" val="3479773369"/>
       </p:ext>
     </p:extLst>
   </p:cSld>
